--- a/notes/walking-structures.pptx
+++ b/notes/walking-structures.pptx
@@ -218,7 +218,7 @@
           <a:p>
             <a:fld id="{8A1B613A-EFF1-404F-BEE8-EFAE84A4E5E2}" type="datetimeFigureOut">
               <a:rPr lang="en-US" smtClean="0"/>
-              <a:t>2/17/22</a:t>
+              <a:t>1/25/2023</a:t>
             </a:fld>
             <a:endParaRPr lang="en-US"/>
           </a:p>
@@ -383,7 +383,7 @@
           <a:p>
             <a:fld id="{690847EA-AC25-3D4E-89E1-FD3F6A9702B6}" type="datetimeFigureOut">
               <a:rPr lang="en-US" smtClean="0"/>
-              <a:t>2/17/22</a:t>
+              <a:t>1/25/2023</a:t>
             </a:fld>
             <a:endParaRPr lang="en-US"/>
           </a:p>
@@ -797,7 +797,7 @@
           <a:p>
             <a:fld id="{BE5295ED-3BAF-1140-8495-3D368771D6B1}" type="datetimeFigureOut">
               <a:rPr lang="en-US" smtClean="0"/>
-              <a:t>2/17/22</a:t>
+              <a:t>1/25/2023</a:t>
             </a:fld>
             <a:endParaRPr lang="en-US"/>
           </a:p>
@@ -995,7 +995,7 @@
           <a:p>
             <a:fld id="{BE5295ED-3BAF-1140-8495-3D368771D6B1}" type="datetimeFigureOut">
               <a:rPr lang="en-US" smtClean="0"/>
-              <a:t>2/17/22</a:t>
+              <a:t>1/25/2023</a:t>
             </a:fld>
             <a:endParaRPr lang="en-US"/>
           </a:p>
@@ -1203,7 +1203,7 @@
           <a:p>
             <a:fld id="{BE5295ED-3BAF-1140-8495-3D368771D6B1}" type="datetimeFigureOut">
               <a:rPr lang="en-US" smtClean="0"/>
-              <a:t>2/17/22</a:t>
+              <a:t>1/25/2023</a:t>
             </a:fld>
             <a:endParaRPr lang="en-US"/>
           </a:p>
@@ -1401,7 +1401,7 @@
           <a:p>
             <a:fld id="{BE5295ED-3BAF-1140-8495-3D368771D6B1}" type="datetimeFigureOut">
               <a:rPr lang="en-US" smtClean="0"/>
-              <a:t>2/17/22</a:t>
+              <a:t>1/25/2023</a:t>
             </a:fld>
             <a:endParaRPr lang="en-US"/>
           </a:p>
@@ -1676,7 +1676,7 @@
           <a:p>
             <a:fld id="{BE5295ED-3BAF-1140-8495-3D368771D6B1}" type="datetimeFigureOut">
               <a:rPr lang="en-US" smtClean="0"/>
-              <a:t>2/17/22</a:t>
+              <a:t>1/25/2023</a:t>
             </a:fld>
             <a:endParaRPr lang="en-US"/>
           </a:p>
@@ -1941,7 +1941,7 @@
           <a:p>
             <a:fld id="{BE5295ED-3BAF-1140-8495-3D368771D6B1}" type="datetimeFigureOut">
               <a:rPr lang="en-US" smtClean="0"/>
-              <a:t>2/17/22</a:t>
+              <a:t>1/25/2023</a:t>
             </a:fld>
             <a:endParaRPr lang="en-US"/>
           </a:p>
@@ -2353,7 +2353,7 @@
           <a:p>
             <a:fld id="{BE5295ED-3BAF-1140-8495-3D368771D6B1}" type="datetimeFigureOut">
               <a:rPr lang="en-US" smtClean="0"/>
-              <a:t>2/17/22</a:t>
+              <a:t>1/25/2023</a:t>
             </a:fld>
             <a:endParaRPr lang="en-US"/>
           </a:p>
@@ -2494,7 +2494,7 @@
           <a:p>
             <a:fld id="{BE5295ED-3BAF-1140-8495-3D368771D6B1}" type="datetimeFigureOut">
               <a:rPr lang="en-US" smtClean="0"/>
-              <a:t>2/17/22</a:t>
+              <a:t>1/25/2023</a:t>
             </a:fld>
             <a:endParaRPr lang="en-US"/>
           </a:p>
@@ -2607,7 +2607,7 @@
           <a:p>
             <a:fld id="{BE5295ED-3BAF-1140-8495-3D368771D6B1}" type="datetimeFigureOut">
               <a:rPr lang="en-US" smtClean="0"/>
-              <a:t>2/17/22</a:t>
+              <a:t>1/25/2023</a:t>
             </a:fld>
             <a:endParaRPr lang="en-US"/>
           </a:p>
@@ -2918,7 +2918,7 @@
           <a:p>
             <a:fld id="{BE5295ED-3BAF-1140-8495-3D368771D6B1}" type="datetimeFigureOut">
               <a:rPr lang="en-US" smtClean="0"/>
-              <a:t>2/17/22</a:t>
+              <a:t>1/25/2023</a:t>
             </a:fld>
             <a:endParaRPr lang="en-US"/>
           </a:p>
@@ -3206,7 +3206,7 @@
           <a:p>
             <a:fld id="{BE5295ED-3BAF-1140-8495-3D368771D6B1}" type="datetimeFigureOut">
               <a:rPr lang="en-US" smtClean="0"/>
-              <a:t>2/17/22</a:t>
+              <a:t>1/25/2023</a:t>
             </a:fld>
             <a:endParaRPr lang="en-US"/>
           </a:p>
@@ -3447,7 +3447,7 @@
           <a:p>
             <a:fld id="{BE5295ED-3BAF-1140-8495-3D368771D6B1}" type="datetimeFigureOut">
               <a:rPr lang="en-US" smtClean="0"/>
-              <a:t>2/17/22</a:t>
+              <a:t>1/25/2023</a:t>
             </a:fld>
             <a:endParaRPr lang="en-US"/>
           </a:p>
@@ -3987,9 +3987,10 @@
           <a:lstStyle/>
           <a:p>
             <a:r>
-              <a:rPr lang="en-US" dirty="0"/>
-              <a:t>Terence Parr</a:t>
-            </a:r>
+              <a:rPr lang="en-US"/>
+              <a:t>Mustafa Hajij</a:t>
+            </a:r>
+            <a:endParaRPr lang="en-US" dirty="0"/>
           </a:p>
           <a:p>
             <a:r>

--- a/notes/walking-structures.pptx
+++ b/notes/walking-structures.pptx
@@ -5,10 +5,10 @@
     <p:sldMasterId id="2147483672" r:id="rId1"/>
   </p:sldMasterIdLst>
   <p:notesMasterIdLst>
-    <p:notesMasterId r:id="rId15"/>
+    <p:notesMasterId r:id="rId14"/>
   </p:notesMasterIdLst>
   <p:handoutMasterIdLst>
-    <p:handoutMasterId r:id="rId16"/>
+    <p:handoutMasterId r:id="rId15"/>
   </p:handoutMasterIdLst>
   <p:sldIdLst>
     <p:sldId id="256" r:id="rId2"/>
@@ -17,13 +17,12 @@
     <p:sldId id="292" r:id="rId5"/>
     <p:sldId id="289" r:id="rId6"/>
     <p:sldId id="285" r:id="rId7"/>
-    <p:sldId id="294" r:id="rId8"/>
-    <p:sldId id="298" r:id="rId9"/>
-    <p:sldId id="296" r:id="rId10"/>
-    <p:sldId id="293" r:id="rId11"/>
-    <p:sldId id="287" r:id="rId12"/>
-    <p:sldId id="299" r:id="rId13"/>
-    <p:sldId id="297" r:id="rId14"/>
+    <p:sldId id="298" r:id="rId8"/>
+    <p:sldId id="296" r:id="rId9"/>
+    <p:sldId id="293" r:id="rId10"/>
+    <p:sldId id="287" r:id="rId11"/>
+    <p:sldId id="299" r:id="rId12"/>
+    <p:sldId id="297" r:id="rId13"/>
   </p:sldIdLst>
   <p:sldSz cx="12192000" cy="6858000"/>
   <p:notesSz cx="9144000" cy="6858000"/>
@@ -218,7 +217,7 @@
           <a:p>
             <a:fld id="{8A1B613A-EFF1-404F-BEE8-EFAE84A4E5E2}" type="datetimeFigureOut">
               <a:rPr lang="en-US" smtClean="0"/>
-              <a:t>1/25/2023</a:t>
+              <a:t>2/15/2023</a:t>
             </a:fld>
             <a:endParaRPr lang="en-US"/>
           </a:p>
@@ -383,7 +382,7 @@
           <a:p>
             <a:fld id="{690847EA-AC25-3D4E-89E1-FD3F6A9702B6}" type="datetimeFigureOut">
               <a:rPr lang="en-US" smtClean="0"/>
-              <a:t>1/25/2023</a:t>
+              <a:t>2/15/2023</a:t>
             </a:fld>
             <a:endParaRPr lang="en-US"/>
           </a:p>
@@ -797,7 +796,7 @@
           <a:p>
             <a:fld id="{BE5295ED-3BAF-1140-8495-3D368771D6B1}" type="datetimeFigureOut">
               <a:rPr lang="en-US" smtClean="0"/>
-              <a:t>1/25/2023</a:t>
+              <a:t>2/15/2023</a:t>
             </a:fld>
             <a:endParaRPr lang="en-US"/>
           </a:p>
@@ -995,7 +994,7 @@
           <a:p>
             <a:fld id="{BE5295ED-3BAF-1140-8495-3D368771D6B1}" type="datetimeFigureOut">
               <a:rPr lang="en-US" smtClean="0"/>
-              <a:t>1/25/2023</a:t>
+              <a:t>2/15/2023</a:t>
             </a:fld>
             <a:endParaRPr lang="en-US"/>
           </a:p>
@@ -1203,7 +1202,7 @@
           <a:p>
             <a:fld id="{BE5295ED-3BAF-1140-8495-3D368771D6B1}" type="datetimeFigureOut">
               <a:rPr lang="en-US" smtClean="0"/>
-              <a:t>1/25/2023</a:t>
+              <a:t>2/15/2023</a:t>
             </a:fld>
             <a:endParaRPr lang="en-US"/>
           </a:p>
@@ -1401,7 +1400,7 @@
           <a:p>
             <a:fld id="{BE5295ED-3BAF-1140-8495-3D368771D6B1}" type="datetimeFigureOut">
               <a:rPr lang="en-US" smtClean="0"/>
-              <a:t>1/25/2023</a:t>
+              <a:t>2/15/2023</a:t>
             </a:fld>
             <a:endParaRPr lang="en-US"/>
           </a:p>
@@ -1676,7 +1675,7 @@
           <a:p>
             <a:fld id="{BE5295ED-3BAF-1140-8495-3D368771D6B1}" type="datetimeFigureOut">
               <a:rPr lang="en-US" smtClean="0"/>
-              <a:t>1/25/2023</a:t>
+              <a:t>2/15/2023</a:t>
             </a:fld>
             <a:endParaRPr lang="en-US"/>
           </a:p>
@@ -1941,7 +1940,7 @@
           <a:p>
             <a:fld id="{BE5295ED-3BAF-1140-8495-3D368771D6B1}" type="datetimeFigureOut">
               <a:rPr lang="en-US" smtClean="0"/>
-              <a:t>1/25/2023</a:t>
+              <a:t>2/15/2023</a:t>
             </a:fld>
             <a:endParaRPr lang="en-US"/>
           </a:p>
@@ -2353,7 +2352,7 @@
           <a:p>
             <a:fld id="{BE5295ED-3BAF-1140-8495-3D368771D6B1}" type="datetimeFigureOut">
               <a:rPr lang="en-US" smtClean="0"/>
-              <a:t>1/25/2023</a:t>
+              <a:t>2/15/2023</a:t>
             </a:fld>
             <a:endParaRPr lang="en-US"/>
           </a:p>
@@ -2494,7 +2493,7 @@
           <a:p>
             <a:fld id="{BE5295ED-3BAF-1140-8495-3D368771D6B1}" type="datetimeFigureOut">
               <a:rPr lang="en-US" smtClean="0"/>
-              <a:t>1/25/2023</a:t>
+              <a:t>2/15/2023</a:t>
             </a:fld>
             <a:endParaRPr lang="en-US"/>
           </a:p>
@@ -2607,7 +2606,7 @@
           <a:p>
             <a:fld id="{BE5295ED-3BAF-1140-8495-3D368771D6B1}" type="datetimeFigureOut">
               <a:rPr lang="en-US" smtClean="0"/>
-              <a:t>1/25/2023</a:t>
+              <a:t>2/15/2023</a:t>
             </a:fld>
             <a:endParaRPr lang="en-US"/>
           </a:p>
@@ -2918,7 +2917,7 @@
           <a:p>
             <a:fld id="{BE5295ED-3BAF-1140-8495-3D368771D6B1}" type="datetimeFigureOut">
               <a:rPr lang="en-US" smtClean="0"/>
-              <a:t>1/25/2023</a:t>
+              <a:t>2/15/2023</a:t>
             </a:fld>
             <a:endParaRPr lang="en-US"/>
           </a:p>
@@ -3206,7 +3205,7 @@
           <a:p>
             <a:fld id="{BE5295ED-3BAF-1140-8495-3D368771D6B1}" type="datetimeFigureOut">
               <a:rPr lang="en-US" smtClean="0"/>
-              <a:t>1/25/2023</a:t>
+              <a:t>2/15/2023</a:t>
             </a:fld>
             <a:endParaRPr lang="en-US"/>
           </a:p>
@@ -3447,7 +3446,7 @@
           <a:p>
             <a:fld id="{BE5295ED-3BAF-1140-8495-3D368771D6B1}" type="datetimeFigureOut">
               <a:rPr lang="en-US" smtClean="0"/>
-              <a:t>1/25/2023</a:t>
+              <a:t>2/15/2023</a:t>
             </a:fld>
             <a:endParaRPr lang="en-US"/>
           </a:p>
@@ -3928,39 +3927,6 @@
       </p:sp>
       <p:sp>
         <p:nvSpPr>
-          <p:cNvPr id="3" name="Subtitle 2">
-            <a:extLst>
-              <a:ext uri="{FF2B5EF4-FFF2-40B4-BE49-F238E27FC236}">
-                <a16:creationId xmlns:a16="http://schemas.microsoft.com/office/drawing/2014/main" id="{5EF75859-F09F-414F-8571-4D3854CD3C44}"/>
-              </a:ext>
-            </a:extLst>
-          </p:cNvPr>
-          <p:cNvSpPr>
-            <a:spLocks noGrp="1"/>
-          </p:cNvSpPr>
-          <p:nvPr>
-            <p:ph type="subTitle" idx="1"/>
-          </p:nvPr>
-        </p:nvSpPr>
-        <p:spPr>
-          <a:xfrm>
-            <a:off x="1524000" y="3602038"/>
-            <a:ext cx="9144000" cy="489316"/>
-          </a:xfrm>
-        </p:spPr>
-        <p:txBody>
-          <a:bodyPr>
-            <a:noAutofit/>
-          </a:bodyPr>
-          <a:lstStyle/>
-          <a:p>
-            <a:pPr algn="l"/>
-            <a:endParaRPr lang="en-US" dirty="0"/>
-          </a:p>
-        </p:txBody>
-      </p:sp>
-      <p:sp>
-        <p:nvSpPr>
           <p:cNvPr id="5" name="Rectangle 4">
             <a:extLst>
               <a:ext uri="{FF2B5EF4-FFF2-40B4-BE49-F238E27FC236}">
@@ -4043,7 +4009,7 @@
           <p:cNvPr id="2" name="Title 1">
             <a:extLst>
               <a:ext uri="{FF2B5EF4-FFF2-40B4-BE49-F238E27FC236}">
-                <a16:creationId xmlns:a16="http://schemas.microsoft.com/office/drawing/2014/main" id="{FDAF5562-A444-CF4E-B23D-7623228EA43C}"/>
+                <a16:creationId xmlns:a16="http://schemas.microsoft.com/office/drawing/2014/main" id="{A28C248F-1DBF-8444-B7E1-A5C580E64CAD}"/>
               </a:ext>
             </a:extLst>
           </p:cNvPr>
@@ -4060,328 +4026,6 @@
           <a:lstStyle/>
           <a:p>
             <a:r>
-              <a:rPr lang="en-US" dirty="0"/>
-              <a:t>Graphs: Manual construction</a:t>
-            </a:r>
-            <a:br>
-              <a:rPr lang="en-US" dirty="0"/>
-            </a:br>
-            <a:r>
-              <a:rPr lang="en-US" sz="2200" i="1" dirty="0"/>
-              <a:t>(we’ll have full lecture on graphs later)</a:t>
-            </a:r>
-          </a:p>
-        </p:txBody>
-      </p:sp>
-      <p:sp>
-        <p:nvSpPr>
-          <p:cNvPr id="3" name="Content Placeholder 2">
-            <a:extLst>
-              <a:ext uri="{FF2B5EF4-FFF2-40B4-BE49-F238E27FC236}">
-                <a16:creationId xmlns:a16="http://schemas.microsoft.com/office/drawing/2014/main" id="{7971D18F-9104-CD43-8A7E-913F8568A828}"/>
-              </a:ext>
-            </a:extLst>
-          </p:cNvPr>
-          <p:cNvSpPr>
-            <a:spLocks noGrp="1"/>
-          </p:cNvSpPr>
-          <p:nvPr>
-            <p:ph idx="1"/>
-          </p:nvPr>
-        </p:nvSpPr>
-        <p:spPr/>
-        <p:txBody>
-          <a:bodyPr/>
-          <a:lstStyle/>
-          <a:p>
-            <a:r>
-              <a:rPr lang="en-US" b="1" dirty="0"/>
-              <a:t>Exercise</a:t>
-            </a:r>
-            <a:r>
-              <a:rPr lang="en-US" dirty="0"/>
-              <a:t>: Go to “Constructing graphs” section of link below, play with graph construction code to build different graphs.</a:t>
-            </a:r>
-          </a:p>
-          <a:p>
-            <a:r>
-              <a:rPr lang="en-US" dirty="0"/>
-              <a:t>(You need install </a:t>
-            </a:r>
-            <a:r>
-              <a:rPr lang="en-US" b="1" dirty="0" err="1"/>
-              <a:t>lolviz</a:t>
-            </a:r>
-            <a:r>
-              <a:rPr lang="en-US" dirty="0"/>
-              <a:t> package to visualize.)</a:t>
-            </a:r>
-          </a:p>
-        </p:txBody>
-      </p:sp>
-      <p:sp>
-        <p:nvSpPr>
-          <p:cNvPr id="4" name="Rectangle 3">
-            <a:extLst>
-              <a:ext uri="{FF2B5EF4-FFF2-40B4-BE49-F238E27FC236}">
-                <a16:creationId xmlns:a16="http://schemas.microsoft.com/office/drawing/2014/main" id="{FB6878FE-48C9-114D-AD67-B2A92793F309}"/>
-              </a:ext>
-            </a:extLst>
-          </p:cNvPr>
-          <p:cNvSpPr/>
-          <p:nvPr/>
-        </p:nvSpPr>
-        <p:spPr>
-          <a:xfrm>
-            <a:off x="762000" y="6176963"/>
-            <a:ext cx="7467600" cy="369332"/>
-          </a:xfrm>
-          <a:prstGeom prst="rect">
-            <a:avLst/>
-          </a:prstGeom>
-        </p:spPr>
-        <p:txBody>
-          <a:bodyPr wrap="square">
-            <a:spAutoFit/>
-          </a:bodyPr>
-          <a:lstStyle/>
-          <a:p>
-            <a:r>
-              <a:rPr lang="en-US" dirty="0">
-                <a:hlinkClick r:id="rId2"/>
-              </a:rPr>
-              <a:t>https://github.com/parrt/msds689/blob/master/notes/walking.ipynb</a:t>
-            </a:r>
-            <a:endParaRPr lang="en-US" dirty="0"/>
-          </a:p>
-        </p:txBody>
-      </p:sp>
-      <p:sp>
-        <p:nvSpPr>
-          <p:cNvPr id="5" name="TextBox 4">
-            <a:extLst>
-              <a:ext uri="{FF2B5EF4-FFF2-40B4-BE49-F238E27FC236}">
-                <a16:creationId xmlns:a16="http://schemas.microsoft.com/office/drawing/2014/main" id="{5E0D579F-9116-314E-A31B-3D37BB7398D6}"/>
-              </a:ext>
-            </a:extLst>
-          </p:cNvPr>
-          <p:cNvSpPr txBox="1"/>
-          <p:nvPr/>
-        </p:nvSpPr>
-        <p:spPr>
-          <a:xfrm>
-            <a:off x="3135271" y="3427039"/>
-            <a:ext cx="5570985" cy="2308324"/>
-          </a:xfrm>
-          <a:prstGeom prst="rect">
-            <a:avLst/>
-          </a:prstGeom>
-          <a:noFill/>
-          <a:ln>
-            <a:solidFill>
-              <a:schemeClr val="accent1"/>
-            </a:solidFill>
-          </a:ln>
-        </p:spPr>
-        <p:txBody>
-          <a:bodyPr wrap="square" rtlCol="0">
-            <a:spAutoFit/>
-          </a:bodyPr>
-          <a:lstStyle/>
-          <a:p>
-            <a:r>
-              <a:rPr lang="en-US" sz="2400" dirty="0">
-                <a:latin typeface="Monaco" charset="0"/>
-                <a:ea typeface="Monaco" charset="0"/>
-                <a:cs typeface="Monaco" charset="0"/>
-              </a:rPr>
-              <a:t>class Node:</a:t>
-            </a:r>
-          </a:p>
-          <a:p>
-            <a:r>
-              <a:rPr lang="en-US" sz="2400" dirty="0">
-                <a:latin typeface="Monaco" charset="0"/>
-                <a:ea typeface="Monaco" charset="0"/>
-                <a:cs typeface="Monaco" charset="0"/>
-              </a:rPr>
-              <a:t>  def __</a:t>
-            </a:r>
-            <a:r>
-              <a:rPr lang="en-US" sz="2400" dirty="0" err="1">
-                <a:latin typeface="Monaco" charset="0"/>
-                <a:ea typeface="Monaco" charset="0"/>
-                <a:cs typeface="Monaco" charset="0"/>
-              </a:rPr>
-              <a:t>init</a:t>
-            </a:r>
-            <a:r>
-              <a:rPr lang="en-US" sz="2400" dirty="0">
-                <a:latin typeface="Monaco" charset="0"/>
-                <a:ea typeface="Monaco" charset="0"/>
-                <a:cs typeface="Monaco" charset="0"/>
-              </a:rPr>
-              <a:t>__(self, value):</a:t>
-            </a:r>
-          </a:p>
-          <a:p>
-            <a:r>
-              <a:rPr lang="en-US" sz="2400" dirty="0">
-                <a:latin typeface="Monaco" charset="0"/>
-                <a:ea typeface="Monaco" charset="0"/>
-                <a:cs typeface="Monaco" charset="0"/>
-              </a:rPr>
-              <a:t>    </a:t>
-            </a:r>
-            <a:r>
-              <a:rPr lang="en-US" sz="2400" dirty="0" err="1">
-                <a:latin typeface="Monaco" charset="0"/>
-                <a:ea typeface="Monaco" charset="0"/>
-                <a:cs typeface="Monaco" charset="0"/>
-              </a:rPr>
-              <a:t>self.value</a:t>
-            </a:r>
-            <a:r>
-              <a:rPr lang="en-US" sz="2400" dirty="0">
-                <a:latin typeface="Monaco" charset="0"/>
-                <a:ea typeface="Monaco" charset="0"/>
-                <a:cs typeface="Monaco" charset="0"/>
-              </a:rPr>
-              <a:t> = value</a:t>
-            </a:r>
-          </a:p>
-          <a:p>
-            <a:r>
-              <a:rPr lang="en-US" sz="2400" dirty="0">
-                <a:latin typeface="Monaco" charset="0"/>
-                <a:ea typeface="Monaco" charset="0"/>
-                <a:cs typeface="Monaco" charset="0"/>
-              </a:rPr>
-              <a:t>    </a:t>
-            </a:r>
-            <a:r>
-              <a:rPr lang="en-US" sz="2400" dirty="0" err="1">
-                <a:latin typeface="Monaco" charset="0"/>
-                <a:ea typeface="Monaco" charset="0"/>
-                <a:cs typeface="Monaco" charset="0"/>
-              </a:rPr>
-              <a:t>self.edges</a:t>
-            </a:r>
-            <a:r>
-              <a:rPr lang="en-US" sz="2400" dirty="0">
-                <a:latin typeface="Monaco" charset="0"/>
-                <a:ea typeface="Monaco" charset="0"/>
-                <a:cs typeface="Monaco" charset="0"/>
-              </a:rPr>
-              <a:t> = []</a:t>
-            </a:r>
-          </a:p>
-          <a:p>
-            <a:r>
-              <a:rPr lang="en-US" sz="2400" dirty="0">
-                <a:latin typeface="Monaco" charset="0"/>
-                <a:ea typeface="Monaco" charset="0"/>
-                <a:cs typeface="Monaco" charset="0"/>
-              </a:rPr>
-              <a:t>  def add(self, </a:t>
-            </a:r>
-            <a:r>
-              <a:rPr lang="en-US" sz="2400" dirty="0" err="1">
-                <a:latin typeface="Monaco" charset="0"/>
-                <a:ea typeface="Monaco" charset="0"/>
-                <a:cs typeface="Monaco" charset="0"/>
-              </a:rPr>
-              <a:t>target:Node</a:t>
-            </a:r>
-            <a:r>
-              <a:rPr lang="en-US" sz="2400" dirty="0">
-                <a:latin typeface="Monaco" charset="0"/>
-                <a:ea typeface="Monaco" charset="0"/>
-                <a:cs typeface="Monaco" charset="0"/>
-              </a:rPr>
-              <a:t>):</a:t>
-            </a:r>
-          </a:p>
-          <a:p>
-            <a:r>
-              <a:rPr lang="en-US" sz="2400" dirty="0">
-                <a:latin typeface="Monaco" charset="0"/>
-                <a:ea typeface="Monaco" charset="0"/>
-                <a:cs typeface="Monaco" charset="0"/>
-              </a:rPr>
-              <a:t>    </a:t>
-            </a:r>
-            <a:r>
-              <a:rPr lang="en-US" sz="2400" dirty="0" err="1">
-                <a:latin typeface="Monaco" charset="0"/>
-                <a:ea typeface="Monaco" charset="0"/>
-                <a:cs typeface="Monaco" charset="0"/>
-              </a:rPr>
-              <a:t>self.edges.append</a:t>
-            </a:r>
-            <a:r>
-              <a:rPr lang="en-US" sz="2400" dirty="0">
-                <a:latin typeface="Monaco" charset="0"/>
-                <a:ea typeface="Monaco" charset="0"/>
-                <a:cs typeface="Monaco" charset="0"/>
-              </a:rPr>
-              <a:t>(target)</a:t>
-            </a:r>
-          </a:p>
-        </p:txBody>
-      </p:sp>
-    </p:spTree>
-    <p:extLst>
-      <p:ext uri="{BB962C8B-B14F-4D97-AF65-F5344CB8AC3E}">
-        <p14:creationId xmlns:p14="http://schemas.microsoft.com/office/powerpoint/2010/main" val="1079673575"/>
-      </p:ext>
-    </p:extLst>
-  </p:cSld>
-  <p:clrMapOvr>
-    <a:masterClrMapping/>
-  </p:clrMapOvr>
-</p:sld>
-</file>
-
-<file path=ppt/slides/slide11.xml><?xml version="1.0" encoding="utf-8"?>
-<p:sld xmlns:a="http://schemas.openxmlformats.org/drawingml/2006/main" xmlns:r="http://schemas.openxmlformats.org/officeDocument/2006/relationships" xmlns:p="http://schemas.openxmlformats.org/presentationml/2006/main">
-  <p:cSld>
-    <p:spTree>
-      <p:nvGrpSpPr>
-        <p:cNvPr id="1" name=""/>
-        <p:cNvGrpSpPr/>
-        <p:nvPr/>
-      </p:nvGrpSpPr>
-      <p:grpSpPr>
-        <a:xfrm>
-          <a:off x="0" y="0"/>
-          <a:ext cx="0" cy="0"/>
-          <a:chOff x="0" y="0"/>
-          <a:chExt cx="0" cy="0"/>
-        </a:xfrm>
-      </p:grpSpPr>
-      <p:sp>
-        <p:nvSpPr>
-          <p:cNvPr id="2" name="Title 1">
-            <a:extLst>
-              <a:ext uri="{FF2B5EF4-FFF2-40B4-BE49-F238E27FC236}">
-                <a16:creationId xmlns:a16="http://schemas.microsoft.com/office/drawing/2014/main" id="{A28C248F-1DBF-8444-B7E1-A5C580E64CAD}"/>
-              </a:ext>
-            </a:extLst>
-          </p:cNvPr>
-          <p:cNvSpPr>
-            <a:spLocks noGrp="1"/>
-          </p:cNvSpPr>
-          <p:nvPr>
-            <p:ph type="title"/>
-          </p:nvPr>
-        </p:nvSpPr>
-        <p:spPr/>
-        <p:txBody>
-          <a:bodyPr/>
-          <a:lstStyle/>
-          <a:p>
-            <a:r>
               <a:rPr lang="en-US" i="1" dirty="0"/>
               <a:t>Depth-first</a:t>
             </a:r>
@@ -4392,36 +4036,6 @@
           </a:p>
         </p:txBody>
       </p:sp>
-      <p:pic>
-        <p:nvPicPr>
-          <p:cNvPr id="5" name="Picture 4">
-            <a:extLst>
-              <a:ext uri="{FF2B5EF4-FFF2-40B4-BE49-F238E27FC236}">
-                <a16:creationId xmlns:a16="http://schemas.microsoft.com/office/drawing/2014/main" id="{1792B99B-6506-2E43-A5C8-14B7064BB21C}"/>
-              </a:ext>
-            </a:extLst>
-          </p:cNvPr>
-          <p:cNvPicPr>
-            <a:picLocks noChangeAspect="1"/>
-          </p:cNvPicPr>
-          <p:nvPr/>
-        </p:nvPicPr>
-        <p:blipFill>
-          <a:blip r:embed="rId2"/>
-          <a:stretch>
-            <a:fillRect/>
-          </a:stretch>
-        </p:blipFill>
-        <p:spPr>
-          <a:xfrm>
-            <a:off x="609108" y="3701527"/>
-            <a:ext cx="10973783" cy="2475436"/>
-          </a:xfrm>
-          <a:prstGeom prst="rect">
-            <a:avLst/>
-          </a:prstGeom>
-        </p:spPr>
-      </p:pic>
       <p:sp>
         <p:nvSpPr>
           <p:cNvPr id="6" name="TextBox 5">
@@ -4808,41 +4422,6 @@
                 <a:cs typeface="Monaco" charset="0"/>
               </a:rPr>
               <a:t>)</a:t>
-            </a:r>
-          </a:p>
-        </p:txBody>
-      </p:sp>
-      <p:sp>
-        <p:nvSpPr>
-          <p:cNvPr id="3" name="TextBox 2">
-            <a:extLst>
-              <a:ext uri="{FF2B5EF4-FFF2-40B4-BE49-F238E27FC236}">
-                <a16:creationId xmlns:a16="http://schemas.microsoft.com/office/drawing/2014/main" id="{F7062F48-5902-1540-A51C-A2CF700930C9}"/>
-              </a:ext>
-            </a:extLst>
-          </p:cNvPr>
-          <p:cNvSpPr txBox="1"/>
-          <p:nvPr/>
-        </p:nvSpPr>
-        <p:spPr>
-          <a:xfrm>
-            <a:off x="435429" y="6198221"/>
-            <a:ext cx="3583032" cy="369332"/>
-          </a:xfrm>
-          <a:prstGeom prst="rect">
-            <a:avLst/>
-          </a:prstGeom>
-          <a:noFill/>
-        </p:spPr>
-        <p:txBody>
-          <a:bodyPr wrap="none" rtlCol="0">
-            <a:spAutoFit/>
-          </a:bodyPr>
-          <a:lstStyle/>
-          <a:p>
-            <a:r>
-              <a:rPr lang="en-US" dirty="0"/>
-              <a:t>*This function is missing a key bit</a:t>
             </a:r>
           </a:p>
         </p:txBody>
@@ -4942,7 +4521,7 @@
 </p:sld>
 </file>
 
-<file path=ppt/slides/slide12.xml><?xml version="1.0" encoding="utf-8"?>
+<file path=ppt/slides/slide11.xml><?xml version="1.0" encoding="utf-8"?>
 <p:sld xmlns:a="http://schemas.openxmlformats.org/drawingml/2006/main" xmlns:r="http://schemas.openxmlformats.org/officeDocument/2006/relationships" xmlns:p="http://schemas.openxmlformats.org/presentationml/2006/main">
   <p:cSld>
     <p:spTree>
@@ -5118,7 +4697,7 @@
                 <a:ea typeface="Monaco" charset="0"/>
                 <a:cs typeface="Monaco" charset="0"/>
               </a:rPr>
-              <a:t>visited=set() # naughty but simple</a:t>
+              <a:t>visited=set() # </a:t>
             </a:r>
           </a:p>
           <a:p>
@@ -5416,7 +4995,7 @@
 </p:sld>
 </file>
 
-<file path=ppt/slides/slide13.xml><?xml version="1.0" encoding="utf-8"?>
+<file path=ppt/slides/slide12.xml><?xml version="1.0" encoding="utf-8"?>
 <p:sld xmlns:a="http://schemas.openxmlformats.org/drawingml/2006/main" xmlns:r="http://schemas.openxmlformats.org/officeDocument/2006/relationships" xmlns:p="http://schemas.openxmlformats.org/presentationml/2006/main">
   <p:cSld>
     <p:spTree>
@@ -7436,285 +7015,6 @@
 </file>
 
 <file path=ppt/slides/slide7.xml><?xml version="1.0" encoding="utf-8"?>
-<p:sld xmlns:a="http://schemas.openxmlformats.org/drawingml/2006/main" xmlns:r="http://schemas.openxmlformats.org/officeDocument/2006/relationships" xmlns:p="http://schemas.openxmlformats.org/presentationml/2006/main">
-  <p:cSld>
-    <p:spTree>
-      <p:nvGrpSpPr>
-        <p:cNvPr id="1" name=""/>
-        <p:cNvGrpSpPr/>
-        <p:nvPr/>
-      </p:nvGrpSpPr>
-      <p:grpSpPr>
-        <a:xfrm>
-          <a:off x="0" y="0"/>
-          <a:ext cx="0" cy="0"/>
-          <a:chOff x="0" y="0"/>
-          <a:chExt cx="0" cy="0"/>
-        </a:xfrm>
-      </p:grpSpPr>
-      <p:sp>
-        <p:nvSpPr>
-          <p:cNvPr id="2" name="Title 1">
-            <a:extLst>
-              <a:ext uri="{FF2B5EF4-FFF2-40B4-BE49-F238E27FC236}">
-                <a16:creationId xmlns:a16="http://schemas.microsoft.com/office/drawing/2014/main" id="{3DA46104-BABD-8643-B0F8-4FD1F89D7951}"/>
-              </a:ext>
-            </a:extLst>
-          </p:cNvPr>
-          <p:cNvSpPr>
-            <a:spLocks noGrp="1"/>
-          </p:cNvSpPr>
-          <p:nvPr>
-            <p:ph type="title"/>
-          </p:nvPr>
-        </p:nvSpPr>
-        <p:spPr/>
-        <p:txBody>
-          <a:bodyPr/>
-          <a:lstStyle/>
-          <a:p>
-            <a:r>
-              <a:rPr lang="en-US" dirty="0"/>
-              <a:t>Recursion tree vs</a:t>
-            </a:r>
-            <a:br>
-              <a:rPr lang="en-US" dirty="0"/>
-            </a:br>
-            <a:r>
-              <a:rPr lang="en-US" dirty="0"/>
-              <a:t>binary tree</a:t>
-            </a:r>
-          </a:p>
-        </p:txBody>
-      </p:sp>
-      <p:pic>
-        <p:nvPicPr>
-          <p:cNvPr id="5" name="Content Placeholder 4">
-            <a:extLst>
-              <a:ext uri="{FF2B5EF4-FFF2-40B4-BE49-F238E27FC236}">
-                <a16:creationId xmlns:a16="http://schemas.microsoft.com/office/drawing/2014/main" id="{C41E703E-A041-ED4A-BA35-1CBA9C435792}"/>
-              </a:ext>
-            </a:extLst>
-          </p:cNvPr>
-          <p:cNvPicPr>
-            <a:picLocks noGrp="1" noChangeAspect="1"/>
-          </p:cNvPicPr>
-          <p:nvPr>
-            <p:ph idx="1"/>
-          </p:nvPr>
-        </p:nvPicPr>
-        <p:blipFill>
-          <a:blip r:embed="rId2"/>
-          <a:stretch>
-            <a:fillRect/>
-          </a:stretch>
-        </p:blipFill>
-        <p:spPr>
-          <a:xfrm>
-            <a:off x="2686050" y="2470944"/>
-            <a:ext cx="6819900" cy="3060700"/>
-          </a:xfrm>
-        </p:spPr>
-      </p:pic>
-      <p:sp>
-        <p:nvSpPr>
-          <p:cNvPr id="6" name="TextBox 5">
-            <a:extLst>
-              <a:ext uri="{FF2B5EF4-FFF2-40B4-BE49-F238E27FC236}">
-                <a16:creationId xmlns:a16="http://schemas.microsoft.com/office/drawing/2014/main" id="{07E7CE28-6AF4-4249-A47B-F2A8E1161A5F}"/>
-              </a:ext>
-            </a:extLst>
-          </p:cNvPr>
-          <p:cNvSpPr txBox="1"/>
-          <p:nvPr/>
-        </p:nvSpPr>
-        <p:spPr>
-          <a:xfrm>
-            <a:off x="7653588" y="135354"/>
-            <a:ext cx="4364241" cy="1785104"/>
-          </a:xfrm>
-          <a:prstGeom prst="rect">
-            <a:avLst/>
-          </a:prstGeom>
-          <a:noFill/>
-          <a:ln>
-            <a:solidFill>
-              <a:schemeClr val="accent1"/>
-            </a:solidFill>
-          </a:ln>
-        </p:spPr>
-        <p:txBody>
-          <a:bodyPr wrap="square" rtlCol="0">
-            <a:spAutoFit/>
-          </a:bodyPr>
-          <a:lstStyle/>
-          <a:p>
-            <a:r>
-              <a:rPr lang="en-US" sz="2200" dirty="0">
-                <a:latin typeface="Monaco" charset="0"/>
-                <a:ea typeface="Monaco" charset="0"/>
-                <a:cs typeface="Monaco" charset="0"/>
-              </a:rPr>
-              <a:t>def walk(</a:t>
-            </a:r>
-            <a:r>
-              <a:rPr lang="en-US" sz="2200" dirty="0" err="1">
-                <a:latin typeface="Monaco" charset="0"/>
-                <a:ea typeface="Monaco" charset="0"/>
-                <a:cs typeface="Monaco" charset="0"/>
-              </a:rPr>
-              <a:t>p:TreeNode</a:t>
-            </a:r>
-            <a:r>
-              <a:rPr lang="en-US" sz="2200" dirty="0">
-                <a:latin typeface="Monaco" charset="0"/>
-                <a:ea typeface="Monaco" charset="0"/>
-                <a:cs typeface="Monaco" charset="0"/>
-              </a:rPr>
-              <a:t>):</a:t>
-            </a:r>
-          </a:p>
-          <a:p>
-            <a:r>
-              <a:rPr lang="en-US" sz="2200" dirty="0">
-                <a:latin typeface="Monaco" charset="0"/>
-                <a:ea typeface="Monaco" charset="0"/>
-                <a:cs typeface="Monaco" charset="0"/>
-              </a:rPr>
-              <a:t>    if p is None: return</a:t>
-            </a:r>
-          </a:p>
-          <a:p>
-            <a:r>
-              <a:rPr lang="en-US" sz="2200" dirty="0">
-                <a:latin typeface="Monaco" charset="0"/>
-                <a:ea typeface="Monaco" charset="0"/>
-                <a:cs typeface="Monaco" charset="0"/>
-              </a:rPr>
-              <a:t>    print(</a:t>
-            </a:r>
-            <a:r>
-              <a:rPr lang="en-US" sz="2200" dirty="0" err="1">
-                <a:latin typeface="Monaco" charset="0"/>
-                <a:ea typeface="Monaco" charset="0"/>
-                <a:cs typeface="Monaco" charset="0"/>
-              </a:rPr>
-              <a:t>p.value</a:t>
-            </a:r>
-            <a:r>
-              <a:rPr lang="en-US" sz="2200" dirty="0">
-                <a:latin typeface="Monaco" charset="0"/>
-                <a:ea typeface="Monaco" charset="0"/>
-                <a:cs typeface="Monaco" charset="0"/>
-              </a:rPr>
-              <a:t>)</a:t>
-            </a:r>
-            <a:endParaRPr lang="en-US" sz="2200" dirty="0">
-              <a:solidFill>
-                <a:srgbClr val="00B0F0"/>
-              </a:solidFill>
-              <a:latin typeface="Monaco" charset="0"/>
-              <a:ea typeface="Monaco" charset="0"/>
-              <a:cs typeface="Monaco" charset="0"/>
-            </a:endParaRPr>
-          </a:p>
-          <a:p>
-            <a:r>
-              <a:rPr lang="en-US" sz="2200" dirty="0">
-                <a:latin typeface="Monaco" charset="0"/>
-                <a:ea typeface="Monaco" charset="0"/>
-                <a:cs typeface="Monaco" charset="0"/>
-              </a:rPr>
-              <a:t>    walk(</a:t>
-            </a:r>
-            <a:r>
-              <a:rPr lang="en-US" sz="2200" dirty="0" err="1">
-                <a:latin typeface="Monaco" charset="0"/>
-                <a:ea typeface="Monaco" charset="0"/>
-                <a:cs typeface="Monaco" charset="0"/>
-              </a:rPr>
-              <a:t>p.left</a:t>
-            </a:r>
-            <a:r>
-              <a:rPr lang="en-US" sz="2200" dirty="0">
-                <a:latin typeface="Monaco" charset="0"/>
-                <a:ea typeface="Monaco" charset="0"/>
-                <a:cs typeface="Monaco" charset="0"/>
-              </a:rPr>
-              <a:t>)</a:t>
-            </a:r>
-          </a:p>
-          <a:p>
-            <a:r>
-              <a:rPr lang="en-US" sz="2200" dirty="0">
-                <a:latin typeface="Monaco" charset="0"/>
-                <a:ea typeface="Monaco" charset="0"/>
-                <a:cs typeface="Monaco" charset="0"/>
-              </a:rPr>
-              <a:t>    walk(</a:t>
-            </a:r>
-            <a:r>
-              <a:rPr lang="en-US" sz="2200" dirty="0" err="1">
-                <a:latin typeface="Monaco" charset="0"/>
-                <a:ea typeface="Monaco" charset="0"/>
-                <a:cs typeface="Monaco" charset="0"/>
-              </a:rPr>
-              <a:t>p.right</a:t>
-            </a:r>
-            <a:r>
-              <a:rPr lang="en-US" sz="2200" dirty="0">
-                <a:latin typeface="Monaco" charset="0"/>
-                <a:ea typeface="Monaco" charset="0"/>
-                <a:cs typeface="Monaco" charset="0"/>
-              </a:rPr>
-              <a:t>)</a:t>
-            </a:r>
-          </a:p>
-        </p:txBody>
-      </p:sp>
-      <p:sp>
-        <p:nvSpPr>
-          <p:cNvPr id="7" name="TextBox 6"/>
-          <p:cNvSpPr txBox="1"/>
-          <p:nvPr/>
-        </p:nvSpPr>
-        <p:spPr>
-          <a:xfrm>
-            <a:off x="925552" y="6205834"/>
-            <a:ext cx="4362092" cy="461665"/>
-          </a:xfrm>
-          <a:prstGeom prst="rect">
-            <a:avLst/>
-          </a:prstGeom>
-          <a:noFill/>
-        </p:spPr>
-        <p:txBody>
-          <a:bodyPr wrap="none" rtlCol="0">
-            <a:spAutoFit/>
-          </a:bodyPr>
-          <a:lstStyle/>
-          <a:p>
-            <a:r>
-              <a:rPr lang="en-US" sz="2400" dirty="0"/>
-              <a:t>Exhaustive search of all nodes</a:t>
-            </a:r>
-          </a:p>
-        </p:txBody>
-      </p:sp>
-    </p:spTree>
-    <p:extLst>
-      <p:ext uri="{BB962C8B-B14F-4D97-AF65-F5344CB8AC3E}">
-        <p14:creationId xmlns:p14="http://schemas.microsoft.com/office/powerpoint/2010/main" val="2178768777"/>
-      </p:ext>
-    </p:extLst>
-  </p:cSld>
-  <p:clrMapOvr>
-    <a:masterClrMapping/>
-  </p:clrMapOvr>
-</p:sld>
-</file>
-
-<file path=ppt/slides/slide8.xml><?xml version="1.0" encoding="utf-8"?>
 <p:sld xmlns:a="http://schemas.openxmlformats.org/drawingml/2006/main" xmlns:r="http://schemas.openxmlformats.org/officeDocument/2006/relationships" xmlns:p="http://schemas.openxmlformats.org/presentationml/2006/main">
   <p:cSld>
     <p:spTree>
@@ -8753,7 +8053,7 @@
 </p:sld>
 </file>
 
-<file path=ppt/slides/slide9.xml><?xml version="1.0" encoding="utf-8"?>
+<file path=ppt/slides/slide8.xml><?xml version="1.0" encoding="utf-8"?>
 <p:sld xmlns:a="http://schemas.openxmlformats.org/drawingml/2006/main" xmlns:r="http://schemas.openxmlformats.org/officeDocument/2006/relationships" xmlns:p="http://schemas.openxmlformats.org/presentationml/2006/main">
   <p:cSld>
     <p:spTree>
@@ -8798,7 +8098,7 @@
           <a:p>
             <a:r>
               <a:rPr lang="en-US" dirty="0"/>
-              <a:t>Compare binary tree walk with BST search</a:t>
+              <a:t>Compare binary tree walk with search</a:t>
             </a:r>
           </a:p>
         </p:txBody>
@@ -9377,6 +8677,328 @@
     <p:extLst>
       <p:ext uri="{BB962C8B-B14F-4D97-AF65-F5344CB8AC3E}">
         <p14:creationId xmlns:p14="http://schemas.microsoft.com/office/powerpoint/2010/main" val="1475782895"/>
+      </p:ext>
+    </p:extLst>
+  </p:cSld>
+  <p:clrMapOvr>
+    <a:masterClrMapping/>
+  </p:clrMapOvr>
+</p:sld>
+</file>
+
+<file path=ppt/slides/slide9.xml><?xml version="1.0" encoding="utf-8"?>
+<p:sld xmlns:a="http://schemas.openxmlformats.org/drawingml/2006/main" xmlns:r="http://schemas.openxmlformats.org/officeDocument/2006/relationships" xmlns:p="http://schemas.openxmlformats.org/presentationml/2006/main">
+  <p:cSld>
+    <p:spTree>
+      <p:nvGrpSpPr>
+        <p:cNvPr id="1" name=""/>
+        <p:cNvGrpSpPr/>
+        <p:nvPr/>
+      </p:nvGrpSpPr>
+      <p:grpSpPr>
+        <a:xfrm>
+          <a:off x="0" y="0"/>
+          <a:ext cx="0" cy="0"/>
+          <a:chOff x="0" y="0"/>
+          <a:chExt cx="0" cy="0"/>
+        </a:xfrm>
+      </p:grpSpPr>
+      <p:sp>
+        <p:nvSpPr>
+          <p:cNvPr id="2" name="Title 1">
+            <a:extLst>
+              <a:ext uri="{FF2B5EF4-FFF2-40B4-BE49-F238E27FC236}">
+                <a16:creationId xmlns:a16="http://schemas.microsoft.com/office/drawing/2014/main" id="{FDAF5562-A444-CF4E-B23D-7623228EA43C}"/>
+              </a:ext>
+            </a:extLst>
+          </p:cNvPr>
+          <p:cNvSpPr>
+            <a:spLocks noGrp="1"/>
+          </p:cNvSpPr>
+          <p:nvPr>
+            <p:ph type="title"/>
+          </p:nvPr>
+        </p:nvSpPr>
+        <p:spPr/>
+        <p:txBody>
+          <a:bodyPr/>
+          <a:lstStyle/>
+          <a:p>
+            <a:r>
+              <a:rPr lang="en-US" dirty="0"/>
+              <a:t>Graphs: Manual construction</a:t>
+            </a:r>
+            <a:br>
+              <a:rPr lang="en-US" dirty="0"/>
+            </a:br>
+            <a:r>
+              <a:rPr lang="en-US" sz="2200" i="1" dirty="0"/>
+              <a:t>(we’ll have full lecture on graphs later)</a:t>
+            </a:r>
+          </a:p>
+        </p:txBody>
+      </p:sp>
+      <p:sp>
+        <p:nvSpPr>
+          <p:cNvPr id="3" name="Content Placeholder 2">
+            <a:extLst>
+              <a:ext uri="{FF2B5EF4-FFF2-40B4-BE49-F238E27FC236}">
+                <a16:creationId xmlns:a16="http://schemas.microsoft.com/office/drawing/2014/main" id="{7971D18F-9104-CD43-8A7E-913F8568A828}"/>
+              </a:ext>
+            </a:extLst>
+          </p:cNvPr>
+          <p:cNvSpPr>
+            <a:spLocks noGrp="1"/>
+          </p:cNvSpPr>
+          <p:nvPr>
+            <p:ph idx="1"/>
+          </p:nvPr>
+        </p:nvSpPr>
+        <p:spPr/>
+        <p:txBody>
+          <a:bodyPr/>
+          <a:lstStyle/>
+          <a:p>
+            <a:r>
+              <a:rPr lang="en-US" b="1" dirty="0"/>
+              <a:t>Exercise</a:t>
+            </a:r>
+            <a:r>
+              <a:rPr lang="en-US" dirty="0"/>
+              <a:t>: Go to “Constructing graphs” section of link below, play with graph construction code to build different graphs.</a:t>
+            </a:r>
+          </a:p>
+          <a:p>
+            <a:r>
+              <a:rPr lang="en-US" dirty="0"/>
+              <a:t>(You need install </a:t>
+            </a:r>
+            <a:r>
+              <a:rPr lang="en-US" b="1" dirty="0" err="1"/>
+              <a:t>lolviz</a:t>
+            </a:r>
+            <a:r>
+              <a:rPr lang="en-US" dirty="0"/>
+              <a:t> package to visualize.)</a:t>
+            </a:r>
+          </a:p>
+        </p:txBody>
+      </p:sp>
+      <p:sp>
+        <p:nvSpPr>
+          <p:cNvPr id="4" name="Rectangle 3">
+            <a:extLst>
+              <a:ext uri="{FF2B5EF4-FFF2-40B4-BE49-F238E27FC236}">
+                <a16:creationId xmlns:a16="http://schemas.microsoft.com/office/drawing/2014/main" id="{FB6878FE-48C9-114D-AD67-B2A92793F309}"/>
+              </a:ext>
+            </a:extLst>
+          </p:cNvPr>
+          <p:cNvSpPr/>
+          <p:nvPr/>
+        </p:nvSpPr>
+        <p:spPr>
+          <a:xfrm>
+            <a:off x="762000" y="6176963"/>
+            <a:ext cx="7467600" cy="369332"/>
+          </a:xfrm>
+          <a:prstGeom prst="rect">
+            <a:avLst/>
+          </a:prstGeom>
+        </p:spPr>
+        <p:txBody>
+          <a:bodyPr wrap="square">
+            <a:spAutoFit/>
+          </a:bodyPr>
+          <a:lstStyle/>
+          <a:p>
+            <a:r>
+              <a:rPr lang="en-US" dirty="0">
+                <a:hlinkClick r:id="rId2"/>
+              </a:rPr>
+              <a:t>https://github.com/parrt/msds689/blob/master/notes/walking.ipynb</a:t>
+            </a:r>
+            <a:endParaRPr lang="en-US" dirty="0"/>
+          </a:p>
+        </p:txBody>
+      </p:sp>
+      <p:sp>
+        <p:nvSpPr>
+          <p:cNvPr id="5" name="TextBox 4">
+            <a:extLst>
+              <a:ext uri="{FF2B5EF4-FFF2-40B4-BE49-F238E27FC236}">
+                <a16:creationId xmlns:a16="http://schemas.microsoft.com/office/drawing/2014/main" id="{5E0D579F-9116-314E-A31B-3D37BB7398D6}"/>
+              </a:ext>
+            </a:extLst>
+          </p:cNvPr>
+          <p:cNvSpPr txBox="1"/>
+          <p:nvPr/>
+        </p:nvSpPr>
+        <p:spPr>
+          <a:xfrm>
+            <a:off x="3135271" y="3427039"/>
+            <a:ext cx="5570985" cy="2308324"/>
+          </a:xfrm>
+          <a:prstGeom prst="rect">
+            <a:avLst/>
+          </a:prstGeom>
+          <a:noFill/>
+          <a:ln>
+            <a:solidFill>
+              <a:schemeClr val="accent1"/>
+            </a:solidFill>
+          </a:ln>
+        </p:spPr>
+        <p:txBody>
+          <a:bodyPr wrap="square" rtlCol="0">
+            <a:spAutoFit/>
+          </a:bodyPr>
+          <a:lstStyle/>
+          <a:p>
+            <a:r>
+              <a:rPr lang="en-US" sz="2400" dirty="0">
+                <a:latin typeface="Monaco" charset="0"/>
+                <a:ea typeface="Monaco" charset="0"/>
+                <a:cs typeface="Monaco" charset="0"/>
+              </a:rPr>
+              <a:t>class Node:</a:t>
+            </a:r>
+          </a:p>
+          <a:p>
+            <a:r>
+              <a:rPr lang="en-US" sz="2400" dirty="0">
+                <a:latin typeface="Monaco" charset="0"/>
+                <a:ea typeface="Monaco" charset="0"/>
+                <a:cs typeface="Monaco" charset="0"/>
+              </a:rPr>
+              <a:t>  def __</a:t>
+            </a:r>
+            <a:r>
+              <a:rPr lang="en-US" sz="2400" dirty="0" err="1">
+                <a:latin typeface="Monaco" charset="0"/>
+                <a:ea typeface="Monaco" charset="0"/>
+                <a:cs typeface="Monaco" charset="0"/>
+              </a:rPr>
+              <a:t>init</a:t>
+            </a:r>
+            <a:r>
+              <a:rPr lang="en-US" sz="2400" dirty="0">
+                <a:latin typeface="Monaco" charset="0"/>
+                <a:ea typeface="Monaco" charset="0"/>
+                <a:cs typeface="Monaco" charset="0"/>
+              </a:rPr>
+              <a:t>__(self, value):</a:t>
+            </a:r>
+          </a:p>
+          <a:p>
+            <a:r>
+              <a:rPr lang="en-US" sz="2400" dirty="0">
+                <a:latin typeface="Monaco" charset="0"/>
+                <a:ea typeface="Monaco" charset="0"/>
+                <a:cs typeface="Monaco" charset="0"/>
+              </a:rPr>
+              <a:t>    </a:t>
+            </a:r>
+            <a:r>
+              <a:rPr lang="en-US" sz="2400" dirty="0" err="1">
+                <a:latin typeface="Monaco" charset="0"/>
+                <a:ea typeface="Monaco" charset="0"/>
+                <a:cs typeface="Monaco" charset="0"/>
+              </a:rPr>
+              <a:t>self.value</a:t>
+            </a:r>
+            <a:r>
+              <a:rPr lang="en-US" sz="2400" dirty="0">
+                <a:latin typeface="Monaco" charset="0"/>
+                <a:ea typeface="Monaco" charset="0"/>
+                <a:cs typeface="Monaco" charset="0"/>
+              </a:rPr>
+              <a:t> = value</a:t>
+            </a:r>
+          </a:p>
+          <a:p>
+            <a:r>
+              <a:rPr lang="en-US" sz="2400" dirty="0">
+                <a:latin typeface="Monaco" charset="0"/>
+                <a:ea typeface="Monaco" charset="0"/>
+                <a:cs typeface="Monaco" charset="0"/>
+              </a:rPr>
+              <a:t>    </a:t>
+            </a:r>
+            <a:r>
+              <a:rPr lang="en-US" sz="2400" dirty="0" err="1">
+                <a:latin typeface="Monaco" charset="0"/>
+                <a:ea typeface="Monaco" charset="0"/>
+                <a:cs typeface="Monaco" charset="0"/>
+              </a:rPr>
+              <a:t>self.edges</a:t>
+            </a:r>
+            <a:r>
+              <a:rPr lang="en-US" sz="2400" dirty="0">
+                <a:latin typeface="Monaco" charset="0"/>
+                <a:ea typeface="Monaco" charset="0"/>
+                <a:cs typeface="Monaco" charset="0"/>
+              </a:rPr>
+              <a:t> = []</a:t>
+            </a:r>
+          </a:p>
+          <a:p>
+            <a:r>
+              <a:rPr lang="en-US" sz="2400" dirty="0">
+                <a:latin typeface="Monaco" charset="0"/>
+                <a:ea typeface="Monaco" charset="0"/>
+                <a:cs typeface="Monaco" charset="0"/>
+              </a:rPr>
+              <a:t>  def add(self, </a:t>
+            </a:r>
+            <a:r>
+              <a:rPr lang="en-US" sz="2400" dirty="0" err="1">
+                <a:latin typeface="Monaco" charset="0"/>
+                <a:ea typeface="Monaco" charset="0"/>
+                <a:cs typeface="Monaco" charset="0"/>
+              </a:rPr>
+              <a:t>target:Node</a:t>
+            </a:r>
+            <a:r>
+              <a:rPr lang="en-US" sz="2400" dirty="0">
+                <a:latin typeface="Monaco" charset="0"/>
+                <a:ea typeface="Monaco" charset="0"/>
+                <a:cs typeface="Monaco" charset="0"/>
+              </a:rPr>
+              <a:t>):</a:t>
+            </a:r>
+          </a:p>
+          <a:p>
+            <a:r>
+              <a:rPr lang="en-US" sz="2400" dirty="0">
+                <a:latin typeface="Monaco" charset="0"/>
+                <a:ea typeface="Monaco" charset="0"/>
+                <a:cs typeface="Monaco" charset="0"/>
+              </a:rPr>
+              <a:t>    </a:t>
+            </a:r>
+            <a:r>
+              <a:rPr lang="en-US" sz="2400" dirty="0" err="1">
+                <a:latin typeface="Monaco" charset="0"/>
+                <a:ea typeface="Monaco" charset="0"/>
+                <a:cs typeface="Monaco" charset="0"/>
+              </a:rPr>
+              <a:t>self.edges.append</a:t>
+            </a:r>
+            <a:r>
+              <a:rPr lang="en-US" sz="2400" dirty="0">
+                <a:latin typeface="Monaco" charset="0"/>
+                <a:ea typeface="Monaco" charset="0"/>
+                <a:cs typeface="Monaco" charset="0"/>
+              </a:rPr>
+              <a:t>(target)</a:t>
+            </a:r>
+          </a:p>
+        </p:txBody>
+      </p:sp>
+    </p:spTree>
+    <p:extLst>
+      <p:ext uri="{BB962C8B-B14F-4D97-AF65-F5344CB8AC3E}">
+        <p14:creationId xmlns:p14="http://schemas.microsoft.com/office/powerpoint/2010/main" val="1079673575"/>
       </p:ext>
     </p:extLst>
   </p:cSld>

--- a/notes/walking-structures.pptx
+++ b/notes/walking-structures.pptx
@@ -8798,8 +8798,8 @@
         </p:nvSpPr>
         <p:spPr>
           <a:xfrm>
-            <a:off x="762000" y="6176963"/>
-            <a:ext cx="7467600" cy="369332"/>
+            <a:off x="113071" y="6028431"/>
+            <a:ext cx="8686800" cy="369332"/>
           </a:xfrm>
           <a:prstGeom prst="rect">
             <a:avLst/>
@@ -8812,12 +8812,9 @@
           <a:lstStyle/>
           <a:p>
             <a:r>
-              <a:rPr lang="en-US" dirty="0">
-                <a:hlinkClick r:id="rId2"/>
-              </a:rPr>
-              <a:t>https://github.com/parrt/msds689/blob/master/notes/walking.ipynb</a:t>
-            </a:r>
-            <a:endParaRPr lang="en-US" dirty="0"/>
+              <a:rPr lang="en-US" dirty="0"/>
+              <a:t>https://github.com/USFCA-MSDS/msds689/blob/master/notes/walking.ipynb</a:t>
+            </a:r>
           </a:p>
         </p:txBody>
       </p:sp>
